--- a/iotschema-20200618.pptx
+++ b/iotschema-20200618.pptx
@@ -7807,7 +7807,7 @@
         </p:spPr>
         <p:txBody>
           <a:bodyPr>
-            <a:normAutofit fontScale="92500"/>
+            <a:normAutofit fontScale="92500" lnSpcReduction="10000"/>
           </a:bodyPr>
           <a:lstStyle/>
           <a:p>
@@ -7821,7 +7821,15 @@
             </a:r>
             <a:r>
               <a:rPr lang="en-US" dirty="0"/>
-              <a:t> Online Virtual F2F June 15-19</a:t>
+              <a:t> Online </a:t>
+            </a:r>
+            <a:r>
+              <a:rPr lang="en-US" dirty="0" err="1"/>
+              <a:t>Plugfest</a:t>
+            </a:r>
+            <a:r>
+              <a:rPr lang="en-US" dirty="0"/>
+              <a:t> June 15-19</a:t>
             </a:r>
           </a:p>
           <a:p>
@@ -7829,6 +7837,12 @@
             <a:r>
               <a:rPr lang="en-US" dirty="0"/>
               <a:t>Focus on directory integration, discovery, semantics</a:t>
+            </a:r>
+          </a:p>
+          <a:p>
+            <a:r>
+              <a:rPr lang="en-US" dirty="0"/>
+              <a:t>Virtual Conference </a:t>
             </a:r>
           </a:p>
           <a:p>
